--- a/课程PPT/04.JavaScript函数进阶一（2、函数及函数参数 3、JS预解析）.pptx
+++ b/课程PPT/04.JavaScript函数进阶一（2、函数及函数参数 3、JS预解析）.pptx
@@ -6131,7 +6131,7 @@
                 <a:latin typeface="+mn-ea"/>
                 <a:ea typeface="+mn-ea"/>
               </a:rPr>
-              <a:t>注意：定义的引用类型的变量，其</a:t>
+              <a:t>注意：定义为引用类型的变量，其</a:t>
             </a:r>
             <a:r>
               <a:rPr lang="zh-CN" altLang="en-US" sz="2200">
@@ -6203,7 +6203,7 @@
                 <a:latin typeface="+mn-ea"/>
                 <a:ea typeface="+mn-ea"/>
               </a:rPr>
-              <a:t>注意：定义的基本类型的局部变量分配在</a:t>
+              <a:t>注意：定义为基本类型的临时变量分配在</a:t>
             </a:r>
             <a:r>
               <a:rPr lang="zh-CN" altLang="en-US" sz="2200">
@@ -19476,21 +19476,276 @@
                             </p:childTnLst>
                           </p:cTn>
                         </p:par>
+                      </p:childTnLst>
+                    </p:cTn>
+                  </p:par>
+                  <p:par>
+                    <p:cTn id="9" fill="hold">
+                      <p:stCondLst>
+                        <p:cond delay="indefinite"/>
+                      </p:stCondLst>
+                      <p:childTnLst>
                         <p:par>
-                          <p:cTn id="9" fill="hold">
+                          <p:cTn id="10" fill="hold">
                             <p:stCondLst>
-                              <p:cond delay="500"/>
+                              <p:cond delay="0"/>
                             </p:stCondLst>
                             <p:childTnLst>
                               <p:par>
-                                <p:cTn id="10" presetID="2" presetClass="entr" presetSubtype="4" fill="hold" grpId="0" nodeType="afterEffect">
+                                <p:cTn id="11" presetID="2" presetClass="entr" presetSubtype="4" fill="hold" nodeType="clickEffect">
                                   <p:stCondLst>
                                     <p:cond delay="0"/>
                                   </p:stCondLst>
                                   <p:childTnLst>
                                     <p:set>
                                       <p:cBhvr>
-                                        <p:cTn id="11" dur="1" fill="hold">
+                                        <p:cTn id="12" dur="1" fill="hold">
+                                          <p:stCondLst>
+                                            <p:cond delay="0"/>
+                                          </p:stCondLst>
+                                        </p:cTn>
+                                        <p:tgtEl>
+                                          <p:spTgt spid="7"/>
+                                        </p:tgtEl>
+                                        <p:attrNameLst>
+                                          <p:attrName>style.visibility</p:attrName>
+                                        </p:attrNameLst>
+                                      </p:cBhvr>
+                                      <p:to>
+                                        <p:strVal val="visible"/>
+                                      </p:to>
+                                    </p:set>
+                                    <p:anim calcmode="lin" valueType="num">
+                                      <p:cBhvr additive="base">
+                                        <p:cTn id="13" dur="500" fill="hold"/>
+                                        <p:tgtEl>
+                                          <p:spTgt spid="7"/>
+                                        </p:tgtEl>
+                                        <p:attrNameLst>
+                                          <p:attrName>ppt_x</p:attrName>
+                                        </p:attrNameLst>
+                                      </p:cBhvr>
+                                      <p:tavLst>
+                                        <p:tav tm="0">
+                                          <p:val>
+                                            <p:strVal val="#ppt_x"/>
+                                          </p:val>
+                                        </p:tav>
+                                        <p:tav tm="100000">
+                                          <p:val>
+                                            <p:strVal val="#ppt_x"/>
+                                          </p:val>
+                                        </p:tav>
+                                      </p:tavLst>
+                                    </p:anim>
+                                    <p:anim calcmode="lin" valueType="num">
+                                      <p:cBhvr additive="base">
+                                        <p:cTn id="14" dur="500" fill="hold"/>
+                                        <p:tgtEl>
+                                          <p:spTgt spid="7"/>
+                                        </p:tgtEl>
+                                        <p:attrNameLst>
+                                          <p:attrName>ppt_y</p:attrName>
+                                        </p:attrNameLst>
+                                      </p:cBhvr>
+                                      <p:tavLst>
+                                        <p:tav tm="0">
+                                          <p:val>
+                                            <p:strVal val="1+#ppt_h/2"/>
+                                          </p:val>
+                                        </p:tav>
+                                        <p:tav tm="100000">
+                                          <p:val>
+                                            <p:strVal val="#ppt_y"/>
+                                          </p:val>
+                                        </p:tav>
+                                      </p:tavLst>
+                                    </p:anim>
+                                  </p:childTnLst>
+                                </p:cTn>
+                              </p:par>
+                            </p:childTnLst>
+                          </p:cTn>
+                        </p:par>
+                      </p:childTnLst>
+                    </p:cTn>
+                  </p:par>
+                  <p:par>
+                    <p:cTn id="15" fill="hold">
+                      <p:stCondLst>
+                        <p:cond delay="indefinite"/>
+                      </p:stCondLst>
+                      <p:childTnLst>
+                        <p:par>
+                          <p:cTn id="16" fill="hold">
+                            <p:stCondLst>
+                              <p:cond delay="0"/>
+                            </p:stCondLst>
+                            <p:childTnLst>
+                              <p:par>
+                                <p:cTn id="17" presetID="2" presetClass="entr" presetSubtype="4" fill="hold" grpId="0" nodeType="clickEffect">
+                                  <p:stCondLst>
+                                    <p:cond delay="0"/>
+                                  </p:stCondLst>
+                                  <p:childTnLst>
+                                    <p:set>
+                                      <p:cBhvr>
+                                        <p:cTn id="18" dur="1" fill="hold">
+                                          <p:stCondLst>
+                                            <p:cond delay="0"/>
+                                          </p:stCondLst>
+                                        </p:cTn>
+                                        <p:tgtEl>
+                                          <p:spTgt spid="8"/>
+                                        </p:tgtEl>
+                                        <p:attrNameLst>
+                                          <p:attrName>style.visibility</p:attrName>
+                                        </p:attrNameLst>
+                                      </p:cBhvr>
+                                      <p:to>
+                                        <p:strVal val="visible"/>
+                                      </p:to>
+                                    </p:set>
+                                    <p:anim calcmode="lin" valueType="num">
+                                      <p:cBhvr additive="base">
+                                        <p:cTn id="19" dur="500" fill="hold"/>
+                                        <p:tgtEl>
+                                          <p:spTgt spid="8"/>
+                                        </p:tgtEl>
+                                        <p:attrNameLst>
+                                          <p:attrName>ppt_x</p:attrName>
+                                        </p:attrNameLst>
+                                      </p:cBhvr>
+                                      <p:tavLst>
+                                        <p:tav tm="0">
+                                          <p:val>
+                                            <p:strVal val="#ppt_x"/>
+                                          </p:val>
+                                        </p:tav>
+                                        <p:tav tm="100000">
+                                          <p:val>
+                                            <p:strVal val="#ppt_x"/>
+                                          </p:val>
+                                        </p:tav>
+                                      </p:tavLst>
+                                    </p:anim>
+                                    <p:anim calcmode="lin" valueType="num">
+                                      <p:cBhvr additive="base">
+                                        <p:cTn id="20" dur="500" fill="hold"/>
+                                        <p:tgtEl>
+                                          <p:spTgt spid="8"/>
+                                        </p:tgtEl>
+                                        <p:attrNameLst>
+                                          <p:attrName>ppt_y</p:attrName>
+                                        </p:attrNameLst>
+                                      </p:cBhvr>
+                                      <p:tavLst>
+                                        <p:tav tm="0">
+                                          <p:val>
+                                            <p:strVal val="1+#ppt_h/2"/>
+                                          </p:val>
+                                        </p:tav>
+                                        <p:tav tm="100000">
+                                          <p:val>
+                                            <p:strVal val="#ppt_y"/>
+                                          </p:val>
+                                        </p:tav>
+                                      </p:tavLst>
+                                    </p:anim>
+                                  </p:childTnLst>
+                                </p:cTn>
+                              </p:par>
+                              <p:par>
+                                <p:cTn id="21" presetID="2" presetClass="entr" presetSubtype="4" fill="hold" nodeType="withEffect">
+                                  <p:stCondLst>
+                                    <p:cond delay="0"/>
+                                  </p:stCondLst>
+                                  <p:childTnLst>
+                                    <p:set>
+                                      <p:cBhvr>
+                                        <p:cTn id="22" dur="1" fill="hold">
+                                          <p:stCondLst>
+                                            <p:cond delay="0"/>
+                                          </p:stCondLst>
+                                        </p:cTn>
+                                        <p:tgtEl>
+                                          <p:spTgt spid="6"/>
+                                        </p:tgtEl>
+                                        <p:attrNameLst>
+                                          <p:attrName>style.visibility</p:attrName>
+                                        </p:attrNameLst>
+                                      </p:cBhvr>
+                                      <p:to>
+                                        <p:strVal val="visible"/>
+                                      </p:to>
+                                    </p:set>
+                                    <p:anim calcmode="lin" valueType="num">
+                                      <p:cBhvr additive="base">
+                                        <p:cTn id="23" dur="500" fill="hold"/>
+                                        <p:tgtEl>
+                                          <p:spTgt spid="6"/>
+                                        </p:tgtEl>
+                                        <p:attrNameLst>
+                                          <p:attrName>ppt_x</p:attrName>
+                                        </p:attrNameLst>
+                                      </p:cBhvr>
+                                      <p:tavLst>
+                                        <p:tav tm="0">
+                                          <p:val>
+                                            <p:strVal val="#ppt_x"/>
+                                          </p:val>
+                                        </p:tav>
+                                        <p:tav tm="100000">
+                                          <p:val>
+                                            <p:strVal val="#ppt_x"/>
+                                          </p:val>
+                                        </p:tav>
+                                      </p:tavLst>
+                                    </p:anim>
+                                    <p:anim calcmode="lin" valueType="num">
+                                      <p:cBhvr additive="base">
+                                        <p:cTn id="24" dur="500" fill="hold"/>
+                                        <p:tgtEl>
+                                          <p:spTgt spid="6"/>
+                                        </p:tgtEl>
+                                        <p:attrNameLst>
+                                          <p:attrName>ppt_y</p:attrName>
+                                        </p:attrNameLst>
+                                      </p:cBhvr>
+                                      <p:tavLst>
+                                        <p:tav tm="0">
+                                          <p:val>
+                                            <p:strVal val="1+#ppt_h/2"/>
+                                          </p:val>
+                                        </p:tav>
+                                        <p:tav tm="100000">
+                                          <p:val>
+                                            <p:strVal val="#ppt_y"/>
+                                          </p:val>
+                                        </p:tav>
+                                      </p:tavLst>
+                                    </p:anim>
+                                  </p:childTnLst>
+                                </p:cTn>
+                              </p:par>
+                            </p:childTnLst>
+                          </p:cTn>
+                        </p:par>
+                        <p:par>
+                          <p:cTn id="25" fill="hold">
+                            <p:stCondLst>
+                              <p:cond delay="500"/>
+                            </p:stCondLst>
+                            <p:childTnLst>
+                              <p:par>
+                                <p:cTn id="26" presetID="2" presetClass="entr" presetSubtype="4" fill="hold" grpId="0" nodeType="afterEffect">
+                                  <p:stCondLst>
+                                    <p:cond delay="0"/>
+                                  </p:stCondLst>
+                                  <p:childTnLst>
+                                    <p:set>
+                                      <p:cBhvr>
+                                        <p:cTn id="27" dur="1" fill="hold">
                                           <p:stCondLst>
                                             <p:cond delay="0"/>
                                           </p:stCondLst>
@@ -19508,7 +19763,7 @@
                                     </p:set>
                                     <p:anim calcmode="lin" valueType="num">
                                       <p:cBhvr additive="base">
-                                        <p:cTn id="12" dur="500" fill="hold"/>
+                                        <p:cTn id="28" dur="500" fill="hold"/>
                                         <p:tgtEl>
                                           <p:spTgt spid="5"/>
                                         </p:tgtEl>
@@ -19531,264 +19786,9 @@
                                     </p:anim>
                                     <p:anim calcmode="lin" valueType="num">
                                       <p:cBhvr additive="base">
-                                        <p:cTn id="13" dur="500" fill="hold"/>
+                                        <p:cTn id="29" dur="500" fill="hold"/>
                                         <p:tgtEl>
                                           <p:spTgt spid="5"/>
-                                        </p:tgtEl>
-                                        <p:attrNameLst>
-                                          <p:attrName>ppt_y</p:attrName>
-                                        </p:attrNameLst>
-                                      </p:cBhvr>
-                                      <p:tavLst>
-                                        <p:tav tm="0">
-                                          <p:val>
-                                            <p:strVal val="1+#ppt_h/2"/>
-                                          </p:val>
-                                        </p:tav>
-                                        <p:tav tm="100000">
-                                          <p:val>
-                                            <p:strVal val="#ppt_y"/>
-                                          </p:val>
-                                        </p:tav>
-                                      </p:tavLst>
-                                    </p:anim>
-                                  </p:childTnLst>
-                                </p:cTn>
-                              </p:par>
-                            </p:childTnLst>
-                          </p:cTn>
-                        </p:par>
-                      </p:childTnLst>
-                    </p:cTn>
-                  </p:par>
-                  <p:par>
-                    <p:cTn id="14" fill="hold">
-                      <p:stCondLst>
-                        <p:cond delay="indefinite"/>
-                      </p:stCondLst>
-                      <p:childTnLst>
-                        <p:par>
-                          <p:cTn id="15" fill="hold">
-                            <p:stCondLst>
-                              <p:cond delay="0"/>
-                            </p:stCondLst>
-                            <p:childTnLst>
-                              <p:par>
-                                <p:cTn id="16" presetID="2" presetClass="entr" presetSubtype="4" fill="hold" nodeType="clickEffect">
-                                  <p:stCondLst>
-                                    <p:cond delay="0"/>
-                                  </p:stCondLst>
-                                  <p:childTnLst>
-                                    <p:set>
-                                      <p:cBhvr>
-                                        <p:cTn id="17" dur="1" fill="hold">
-                                          <p:stCondLst>
-                                            <p:cond delay="0"/>
-                                          </p:stCondLst>
-                                        </p:cTn>
-                                        <p:tgtEl>
-                                          <p:spTgt spid="7"/>
-                                        </p:tgtEl>
-                                        <p:attrNameLst>
-                                          <p:attrName>style.visibility</p:attrName>
-                                        </p:attrNameLst>
-                                      </p:cBhvr>
-                                      <p:to>
-                                        <p:strVal val="visible"/>
-                                      </p:to>
-                                    </p:set>
-                                    <p:anim calcmode="lin" valueType="num">
-                                      <p:cBhvr additive="base">
-                                        <p:cTn id="18" dur="500" fill="hold"/>
-                                        <p:tgtEl>
-                                          <p:spTgt spid="7"/>
-                                        </p:tgtEl>
-                                        <p:attrNameLst>
-                                          <p:attrName>ppt_x</p:attrName>
-                                        </p:attrNameLst>
-                                      </p:cBhvr>
-                                      <p:tavLst>
-                                        <p:tav tm="0">
-                                          <p:val>
-                                            <p:strVal val="#ppt_x"/>
-                                          </p:val>
-                                        </p:tav>
-                                        <p:tav tm="100000">
-                                          <p:val>
-                                            <p:strVal val="#ppt_x"/>
-                                          </p:val>
-                                        </p:tav>
-                                      </p:tavLst>
-                                    </p:anim>
-                                    <p:anim calcmode="lin" valueType="num">
-                                      <p:cBhvr additive="base">
-                                        <p:cTn id="19" dur="500" fill="hold"/>
-                                        <p:tgtEl>
-                                          <p:spTgt spid="7"/>
-                                        </p:tgtEl>
-                                        <p:attrNameLst>
-                                          <p:attrName>ppt_y</p:attrName>
-                                        </p:attrNameLst>
-                                      </p:cBhvr>
-                                      <p:tavLst>
-                                        <p:tav tm="0">
-                                          <p:val>
-                                            <p:strVal val="1+#ppt_h/2"/>
-                                          </p:val>
-                                        </p:tav>
-                                        <p:tav tm="100000">
-                                          <p:val>
-                                            <p:strVal val="#ppt_y"/>
-                                          </p:val>
-                                        </p:tav>
-                                      </p:tavLst>
-                                    </p:anim>
-                                  </p:childTnLst>
-                                </p:cTn>
-                              </p:par>
-                            </p:childTnLst>
-                          </p:cTn>
-                        </p:par>
-                      </p:childTnLst>
-                    </p:cTn>
-                  </p:par>
-                  <p:par>
-                    <p:cTn id="20" fill="hold">
-                      <p:stCondLst>
-                        <p:cond delay="indefinite"/>
-                      </p:stCondLst>
-                      <p:childTnLst>
-                        <p:par>
-                          <p:cTn id="21" fill="hold">
-                            <p:stCondLst>
-                              <p:cond delay="0"/>
-                            </p:stCondLst>
-                            <p:childTnLst>
-                              <p:par>
-                                <p:cTn id="22" presetID="2" presetClass="entr" presetSubtype="4" fill="hold" grpId="0" nodeType="clickEffect">
-                                  <p:stCondLst>
-                                    <p:cond delay="0"/>
-                                  </p:stCondLst>
-                                  <p:childTnLst>
-                                    <p:set>
-                                      <p:cBhvr>
-                                        <p:cTn id="23" dur="1" fill="hold">
-                                          <p:stCondLst>
-                                            <p:cond delay="0"/>
-                                          </p:stCondLst>
-                                        </p:cTn>
-                                        <p:tgtEl>
-                                          <p:spTgt spid="8"/>
-                                        </p:tgtEl>
-                                        <p:attrNameLst>
-                                          <p:attrName>style.visibility</p:attrName>
-                                        </p:attrNameLst>
-                                      </p:cBhvr>
-                                      <p:to>
-                                        <p:strVal val="visible"/>
-                                      </p:to>
-                                    </p:set>
-                                    <p:anim calcmode="lin" valueType="num">
-                                      <p:cBhvr additive="base">
-                                        <p:cTn id="24" dur="500" fill="hold"/>
-                                        <p:tgtEl>
-                                          <p:spTgt spid="8"/>
-                                        </p:tgtEl>
-                                        <p:attrNameLst>
-                                          <p:attrName>ppt_x</p:attrName>
-                                        </p:attrNameLst>
-                                      </p:cBhvr>
-                                      <p:tavLst>
-                                        <p:tav tm="0">
-                                          <p:val>
-                                            <p:strVal val="#ppt_x"/>
-                                          </p:val>
-                                        </p:tav>
-                                        <p:tav tm="100000">
-                                          <p:val>
-                                            <p:strVal val="#ppt_x"/>
-                                          </p:val>
-                                        </p:tav>
-                                      </p:tavLst>
-                                    </p:anim>
-                                    <p:anim calcmode="lin" valueType="num">
-                                      <p:cBhvr additive="base">
-                                        <p:cTn id="25" dur="500" fill="hold"/>
-                                        <p:tgtEl>
-                                          <p:spTgt spid="8"/>
-                                        </p:tgtEl>
-                                        <p:attrNameLst>
-                                          <p:attrName>ppt_y</p:attrName>
-                                        </p:attrNameLst>
-                                      </p:cBhvr>
-                                      <p:tavLst>
-                                        <p:tav tm="0">
-                                          <p:val>
-                                            <p:strVal val="1+#ppt_h/2"/>
-                                          </p:val>
-                                        </p:tav>
-                                        <p:tav tm="100000">
-                                          <p:val>
-                                            <p:strVal val="#ppt_y"/>
-                                          </p:val>
-                                        </p:tav>
-                                      </p:tavLst>
-                                    </p:anim>
-                                  </p:childTnLst>
-                                </p:cTn>
-                              </p:par>
-                              <p:par>
-                                <p:cTn id="26" presetID="2" presetClass="entr" presetSubtype="4" fill="hold" nodeType="withEffect">
-                                  <p:stCondLst>
-                                    <p:cond delay="0"/>
-                                  </p:stCondLst>
-                                  <p:childTnLst>
-                                    <p:set>
-                                      <p:cBhvr>
-                                        <p:cTn id="27" dur="1" fill="hold">
-                                          <p:stCondLst>
-                                            <p:cond delay="0"/>
-                                          </p:stCondLst>
-                                        </p:cTn>
-                                        <p:tgtEl>
-                                          <p:spTgt spid="6"/>
-                                        </p:tgtEl>
-                                        <p:attrNameLst>
-                                          <p:attrName>style.visibility</p:attrName>
-                                        </p:attrNameLst>
-                                      </p:cBhvr>
-                                      <p:to>
-                                        <p:strVal val="visible"/>
-                                      </p:to>
-                                    </p:set>
-                                    <p:anim calcmode="lin" valueType="num">
-                                      <p:cBhvr additive="base">
-                                        <p:cTn id="28" dur="500" fill="hold"/>
-                                        <p:tgtEl>
-                                          <p:spTgt spid="6"/>
-                                        </p:tgtEl>
-                                        <p:attrNameLst>
-                                          <p:attrName>ppt_x</p:attrName>
-                                        </p:attrNameLst>
-                                      </p:cBhvr>
-                                      <p:tavLst>
-                                        <p:tav tm="0">
-                                          <p:val>
-                                            <p:strVal val="#ppt_x"/>
-                                          </p:val>
-                                        </p:tav>
-                                        <p:tav tm="100000">
-                                          <p:val>
-                                            <p:strVal val="#ppt_x"/>
-                                          </p:val>
-                                        </p:tav>
-                                      </p:tavLst>
-                                    </p:anim>
-                                    <p:anim calcmode="lin" valueType="num">
-                                      <p:cBhvr additive="base">
-                                        <p:cTn id="29" dur="500" fill="hold"/>
-                                        <p:tgtEl>
-                                          <p:spTgt spid="6"/>
                                         </p:tgtEl>
                                         <p:attrNameLst>
                                           <p:attrName>ppt_y</p:attrName>
@@ -22160,7 +22160,7 @@
         <p:spPr>
           <a:xfrm>
             <a:off x="5751830" y="6297930"/>
-            <a:ext cx="3498850" cy="429895"/>
+            <a:ext cx="4572000" cy="429895"/>
           </a:xfrm>
           <a:prstGeom prst="rect">
             <a:avLst/>
@@ -22191,9 +22191,19 @@
                 <a:latin typeface="+mn-ea"/>
                 <a:ea typeface="+mn-ea"/>
               </a:rPr>
-              <a:t>demo10</a:t>
-            </a:r>
-            <a:endParaRPr lang="en-US" sz="2200">
+              <a:t>demo10 </a:t>
+            </a:r>
+            <a:r>
+              <a:rPr lang="zh-CN" altLang="en-US" sz="2200">
+                <a:solidFill>
+                  <a:srgbClr val="FF0000"/>
+                </a:solidFill>
+                <a:latin typeface="+mn-ea"/>
+                <a:ea typeface="+mn-ea"/>
+              </a:rPr>
+              <a:t>预解析与作用域</a:t>
+            </a:r>
+            <a:endParaRPr lang="zh-CN" altLang="en-US" sz="2200">
               <a:solidFill>
                 <a:srgbClr val="FF0000"/>
               </a:solidFill>

--- a/课程PPT/04.JavaScript函数进阶一（2、函数及函数参数 3、JS预解析）.pptx
+++ b/课程PPT/04.JavaScript函数进阶一（2、函数及函数参数 3、JS预解析）.pptx
@@ -5718,7 +5718,7 @@
                 </a:solidFill>
                 <a:sym typeface="+mn-ea"/>
               </a:rPr>
-              <a:t>Bool</a:t>
+              <a:t>Boolean</a:t>
             </a:r>
             <a:r>
               <a:rPr lang="zh-CN" altLang="en-US" sz="2000" dirty="0">

--- a/课程PPT/04.JavaScript函数进阶一（2、函数及函数参数 3、JS预解析）.pptx
+++ b/课程PPT/04.JavaScript函数进阶一（2、函数及函数参数 3、JS预解析）.pptx
@@ -6125,11 +6125,9 @@
             <a:pPr algn="l"/>
             <a:r>
               <a:rPr lang="zh-CN" altLang="en-US" sz="2200">
-                <a:solidFill>
-                  <a:schemeClr val="tx1"/>
-                </a:solidFill>
                 <a:latin typeface="+mn-ea"/>
                 <a:ea typeface="+mn-ea"/>
+                <a:sym typeface="+mn-ea"/>
               </a:rPr>
               <a:t>注意：定义为引用类型的变量，其</a:t>
             </a:r>
@@ -6140,16 +6138,15 @@
                 </a:solidFill>
                 <a:latin typeface="+mn-ea"/>
                 <a:ea typeface="+mn-ea"/>
-              </a:rPr>
-              <a:t>引用分配在栈区</a:t>
+                <a:sym typeface="+mn-ea"/>
+              </a:rPr>
+              <a:t>引用分配在栈区或堆区</a:t>
             </a:r>
             <a:r>
               <a:rPr lang="zh-CN" altLang="en-US" sz="2200">
-                <a:solidFill>
-                  <a:schemeClr val="tx1"/>
-                </a:solidFill>
                 <a:latin typeface="+mn-ea"/>
                 <a:ea typeface="+mn-ea"/>
+                <a:sym typeface="+mn-ea"/>
               </a:rPr>
               <a:t>，</a:t>
             </a:r>
@@ -6160,6 +6157,7 @@
                 </a:solidFill>
                 <a:latin typeface="+mn-ea"/>
                 <a:ea typeface="+mn-ea"/>
+                <a:sym typeface="+mn-ea"/>
               </a:rPr>
               <a:t>引用的对象分配在堆区</a:t>
             </a:r>
@@ -6182,7 +6180,7 @@
         <p:spPr>
           <a:xfrm>
             <a:off x="4994275" y="3959225"/>
-            <a:ext cx="2407920" cy="1106805"/>
+            <a:ext cx="2546985" cy="1106805"/>
           </a:xfrm>
           <a:prstGeom prst="rect">
             <a:avLst/>
@@ -6197,13 +6195,11 @@
             <a:pPr algn="l"/>
             <a:r>
               <a:rPr lang="zh-CN" altLang="en-US" sz="2200">
-                <a:solidFill>
-                  <a:schemeClr val="tx1"/>
-                </a:solidFill>
                 <a:latin typeface="+mn-ea"/>
                 <a:ea typeface="+mn-ea"/>
-              </a:rPr>
-              <a:t>注意：定义为基本类型的临时变量分配在</a:t>
+                <a:sym typeface="+mn-ea"/>
+              </a:rPr>
+              <a:t>注意：定义为基本类型的函数局部变量分配在</a:t>
             </a:r>
             <a:r>
               <a:rPr lang="zh-CN" altLang="en-US" sz="2200">
@@ -6212,6 +6208,7 @@
                 </a:solidFill>
                 <a:latin typeface="+mn-ea"/>
                 <a:ea typeface="+mn-ea"/>
+                <a:sym typeface="+mn-ea"/>
               </a:rPr>
               <a:t>栈区</a:t>
             </a:r>
